--- a/slideshare/random_variable.pptx
+++ b/slideshare/random_variable.pptx
@@ -109,6 +109,11 @@
       </a:defRPr>
     </a:lvl9pPr>
   </p:defaultTextStyle>
+  <p:extLst>
+    <p:ext uri="{EFAFB233-063F-42B5-8137-9DF3F51BA10A}">
+      <p15:sldGuideLst xmlns:p15="http://schemas.microsoft.com/office/powerpoint/2012/main"/>
+    </p:ext>
+  </p:extLst>
 </p:presentation>
 </file>
 
@@ -259,7 +264,7 @@
           <a:p>
             <a:fld id="{2557F1C4-69FA-4E72-8E8A-01716656E947}" type="datetimeFigureOut">
               <a:rPr kumimoji="1" lang="ja-JP" altLang="en-US" smtClean="0"/>
-              <a:t>2019/11/8</a:t>
+              <a:t>2019/12/14</a:t>
             </a:fld>
             <a:endParaRPr kumimoji="1" lang="ja-JP" altLang="en-US"/>
           </a:p>
@@ -489,7 +494,7 @@
           <a:p>
             <a:fld id="{2557F1C4-69FA-4E72-8E8A-01716656E947}" type="datetimeFigureOut">
               <a:rPr kumimoji="1" lang="ja-JP" altLang="en-US" smtClean="0"/>
-              <a:t>2019/11/8</a:t>
+              <a:t>2019/12/14</a:t>
             </a:fld>
             <a:endParaRPr kumimoji="1" lang="ja-JP" altLang="en-US"/>
           </a:p>
@@ -729,7 +734,7 @@
           <a:p>
             <a:fld id="{2557F1C4-69FA-4E72-8E8A-01716656E947}" type="datetimeFigureOut">
               <a:rPr kumimoji="1" lang="ja-JP" altLang="en-US" smtClean="0"/>
-              <a:t>2019/11/8</a:t>
+              <a:t>2019/12/14</a:t>
             </a:fld>
             <a:endParaRPr kumimoji="1" lang="ja-JP" altLang="en-US"/>
           </a:p>
@@ -959,7 +964,7 @@
           <a:p>
             <a:fld id="{2557F1C4-69FA-4E72-8E8A-01716656E947}" type="datetimeFigureOut">
               <a:rPr kumimoji="1" lang="ja-JP" altLang="en-US" smtClean="0"/>
-              <a:t>2019/11/8</a:t>
+              <a:t>2019/12/14</a:t>
             </a:fld>
             <a:endParaRPr kumimoji="1" lang="ja-JP" altLang="en-US"/>
           </a:p>
@@ -1234,7 +1239,7 @@
           <a:p>
             <a:fld id="{2557F1C4-69FA-4E72-8E8A-01716656E947}" type="datetimeFigureOut">
               <a:rPr kumimoji="1" lang="ja-JP" altLang="en-US" smtClean="0"/>
-              <a:t>2019/11/8</a:t>
+              <a:t>2019/12/14</a:t>
             </a:fld>
             <a:endParaRPr kumimoji="1" lang="ja-JP" altLang="en-US"/>
           </a:p>
@@ -1563,7 +1568,7 @@
           <a:p>
             <a:fld id="{2557F1C4-69FA-4E72-8E8A-01716656E947}" type="datetimeFigureOut">
               <a:rPr kumimoji="1" lang="ja-JP" altLang="en-US" smtClean="0"/>
-              <a:t>2019/11/8</a:t>
+              <a:t>2019/12/14</a:t>
             </a:fld>
             <a:endParaRPr kumimoji="1" lang="ja-JP" altLang="en-US"/>
           </a:p>
@@ -2039,7 +2044,7 @@
           <a:p>
             <a:fld id="{2557F1C4-69FA-4E72-8E8A-01716656E947}" type="datetimeFigureOut">
               <a:rPr kumimoji="1" lang="ja-JP" altLang="en-US" smtClean="0"/>
-              <a:t>2019/11/8</a:t>
+              <a:t>2019/12/14</a:t>
             </a:fld>
             <a:endParaRPr kumimoji="1" lang="ja-JP" altLang="en-US"/>
           </a:p>
@@ -2180,7 +2185,7 @@
           <a:p>
             <a:fld id="{2557F1C4-69FA-4E72-8E8A-01716656E947}" type="datetimeFigureOut">
               <a:rPr kumimoji="1" lang="ja-JP" altLang="en-US" smtClean="0"/>
-              <a:t>2019/11/8</a:t>
+              <a:t>2019/12/14</a:t>
             </a:fld>
             <a:endParaRPr kumimoji="1" lang="ja-JP" altLang="en-US"/>
           </a:p>
@@ -2293,7 +2298,7 @@
           <a:p>
             <a:fld id="{2557F1C4-69FA-4E72-8E8A-01716656E947}" type="datetimeFigureOut">
               <a:rPr kumimoji="1" lang="ja-JP" altLang="en-US" smtClean="0"/>
-              <a:t>2019/11/8</a:t>
+              <a:t>2019/12/14</a:t>
             </a:fld>
             <a:endParaRPr kumimoji="1" lang="ja-JP" altLang="en-US"/>
           </a:p>
@@ -2636,7 +2641,7 @@
           <a:p>
             <a:fld id="{2557F1C4-69FA-4E72-8E8A-01716656E947}" type="datetimeFigureOut">
               <a:rPr kumimoji="1" lang="ja-JP" altLang="en-US" smtClean="0"/>
-              <a:t>2019/11/8</a:t>
+              <a:t>2019/12/14</a:t>
             </a:fld>
             <a:endParaRPr kumimoji="1" lang="ja-JP" altLang="en-US"/>
           </a:p>
@@ -2924,7 +2929,7 @@
           <a:p>
             <a:fld id="{2557F1C4-69FA-4E72-8E8A-01716656E947}" type="datetimeFigureOut">
               <a:rPr kumimoji="1" lang="ja-JP" altLang="en-US" smtClean="0"/>
-              <a:t>2019/11/8</a:t>
+              <a:t>2019/12/14</a:t>
             </a:fld>
             <a:endParaRPr kumimoji="1" lang="ja-JP" altLang="en-US"/>
           </a:p>
@@ -3197,7 +3202,7 @@
           <a:p>
             <a:fld id="{2557F1C4-69FA-4E72-8E8A-01716656E947}" type="datetimeFigureOut">
               <a:rPr kumimoji="1" lang="ja-JP" altLang="en-US" smtClean="0"/>
-              <a:t>2019/11/8</a:t>
+              <a:t>2019/12/14</a:t>
             </a:fld>
             <a:endParaRPr kumimoji="1" lang="ja-JP" altLang="en-US"/>
           </a:p>
@@ -3818,8 +3823,8 @@
           </a:p>
         </p:txBody>
       </p:sp>
-      <mc:AlternateContent xmlns:mc="http://schemas.openxmlformats.org/markup-compatibility/2006">
-        <mc:Choice xmlns:a14="http://schemas.microsoft.com/office/drawing/2010/main" Requires="a14">
+      <mc:AlternateContent xmlns:mc="http://schemas.openxmlformats.org/markup-compatibility/2006" xmlns:a14="http://schemas.microsoft.com/office/drawing/2010/main">
+        <mc:Choice Requires="a14">
           <p:sp>
             <p:nvSpPr>
               <p:cNvPr id="10" name="テキスト ボックス 9">
@@ -3948,7 +3953,7 @@
             </p:txBody>
           </p:sp>
         </mc:Choice>
-        <mc:Fallback>
+        <mc:Fallback xmlns="">
           <p:sp>
             <p:nvSpPr>
               <p:cNvPr id="10" name="テキスト ボックス 9">
@@ -5531,8 +5536,8 @@
           </p:sp>
         </mc:Fallback>
       </mc:AlternateContent>
-      <mc:AlternateContent xmlns:mc="http://schemas.openxmlformats.org/markup-compatibility/2006">
-        <mc:Choice xmlns:a14="http://schemas.microsoft.com/office/drawing/2010/main" Requires="a14">
+      <mc:AlternateContent xmlns:mc="http://schemas.openxmlformats.org/markup-compatibility/2006" xmlns:a14="http://schemas.microsoft.com/office/drawing/2010/main">
+        <mc:Choice Requires="a14">
           <p:sp>
             <p:nvSpPr>
               <p:cNvPr id="3" name="正方形/長方形 2">
@@ -5635,7 +5640,7 @@
             </p:txBody>
           </p:sp>
         </mc:Choice>
-        <mc:Fallback>
+        <mc:Fallback xmlns="">
           <p:sp>
             <p:nvSpPr>
               <p:cNvPr id="3" name="正方形/長方形 2">
@@ -5869,7 +5874,7 @@
         <p:spPr>
           <a:xfrm>
             <a:off x="285324" y="1686453"/>
-            <a:ext cx="9946954" cy="646331"/>
+            <a:ext cx="10211450" cy="646331"/>
           </a:xfrm>
           <a:prstGeom prst="rect">
             <a:avLst/>
@@ -5882,31 +5887,43 @@
           <a:lstStyle/>
           <a:p>
             <a:r>
+              <a:rPr lang="ja-JP" altLang="en-US" sz="3600" b="1" u="sng"/>
+              <a:t>コインを</a:t>
+            </a:r>
+            <a:r>
+              <a:rPr lang="en-US" altLang="ja-JP" sz="3600" b="1" u="sng" dirty="0"/>
+              <a:t>10</a:t>
+            </a:r>
+            <a:r>
+              <a:rPr lang="ja-JP" altLang="en-US" sz="3600" b="1" u="sng"/>
+              <a:t>回</a:t>
+            </a:r>
+            <a:r>
               <a:rPr lang="ja-JP" altLang="en-US" sz="3600" b="1" u="sng" dirty="0"/>
-              <a:t>コインを</a:t>
+              <a:t>投げて，</a:t>
+            </a:r>
+            <a:r>
+              <a:rPr lang="ja-JP" altLang="en-US" sz="3600" b="1" u="sng"/>
+              <a:t>表が</a:t>
             </a:r>
             <a:r>
               <a:rPr lang="en-US" altLang="ja-JP" sz="3600" b="1" u="sng" dirty="0"/>
               <a:t>3</a:t>
             </a:r>
             <a:r>
+              <a:rPr lang="ja-JP" altLang="en-US" sz="3600" b="1" u="sng"/>
+              <a:t>回</a:t>
+            </a:r>
+            <a:r>
               <a:rPr lang="ja-JP" altLang="en-US" sz="3600" b="1" u="sng" dirty="0"/>
-              <a:t>回投げて，表が</a:t>
-            </a:r>
-            <a:r>
-              <a:rPr lang="en-US" altLang="ja-JP" sz="3600" b="1" u="sng" dirty="0"/>
-              <a:t>2</a:t>
-            </a:r>
-            <a:r>
-              <a:rPr lang="ja-JP" altLang="en-US" sz="3600" b="1" u="sng" dirty="0"/>
-              <a:t>回出る確率を求める</a:t>
+              <a:t>出る確率を求める</a:t>
             </a:r>
             <a:endParaRPr lang="en-US" altLang="ja-JP" sz="3600" b="1" u="sng" dirty="0"/>
           </a:p>
         </p:txBody>
       </p:sp>
-      <mc:AlternateContent xmlns:mc="http://schemas.openxmlformats.org/markup-compatibility/2006">
-        <mc:Choice xmlns:a14="http://schemas.microsoft.com/office/drawing/2010/main" Requires="a14">
+      <mc:AlternateContent xmlns:mc="http://schemas.openxmlformats.org/markup-compatibility/2006" xmlns:a14="http://schemas.microsoft.com/office/drawing/2010/main">
+        <mc:Choice Requires="a14">
           <p:sp>
             <p:nvSpPr>
               <p:cNvPr id="5" name="正方形/長方形 4">
@@ -5989,7 +6006,7 @@
             </p:txBody>
           </p:sp>
         </mc:Choice>
-        <mc:Fallback>
+        <mc:Fallback xmlns="">
           <p:sp>
             <p:nvSpPr>
               <p:cNvPr id="5" name="正方形/長方形 4">
@@ -6034,8 +6051,8 @@
           </p:sp>
         </mc:Fallback>
       </mc:AlternateContent>
-      <mc:AlternateContent xmlns:mc="http://schemas.openxmlformats.org/markup-compatibility/2006">
-        <mc:Choice xmlns:a14="http://schemas.microsoft.com/office/drawing/2010/main" Requires="a14">
+      <mc:AlternateContent xmlns:mc="http://schemas.openxmlformats.org/markup-compatibility/2006" xmlns:a14="http://schemas.microsoft.com/office/drawing/2010/main">
+        <mc:Choice Requires="a14">
           <p:sp>
             <p:nvSpPr>
               <p:cNvPr id="6" name="正方形/長方形 5">
@@ -6278,7 +6295,7 @@
             </p:txBody>
           </p:sp>
         </mc:Choice>
-        <mc:Fallback>
+        <mc:Fallback xmlns="">
           <p:sp>
             <p:nvSpPr>
               <p:cNvPr id="6" name="正方形/長方形 5">
@@ -6323,8 +6340,8 @@
           </p:sp>
         </mc:Fallback>
       </mc:AlternateContent>
-      <mc:AlternateContent xmlns:mc="http://schemas.openxmlformats.org/markup-compatibility/2006">
-        <mc:Choice xmlns:a14="http://schemas.microsoft.com/office/drawing/2010/main" Requires="a14">
+      <mc:AlternateContent xmlns:mc="http://schemas.openxmlformats.org/markup-compatibility/2006" xmlns:a14="http://schemas.microsoft.com/office/drawing/2010/main">
+        <mc:Choice Requires="a14">
           <p:sp>
             <p:nvSpPr>
               <p:cNvPr id="7" name="正方形/長方形 6">
@@ -6591,7 +6608,7 @@
             </p:txBody>
           </p:sp>
         </mc:Choice>
-        <mc:Fallback>
+        <mc:Fallback xmlns="">
           <p:sp>
             <p:nvSpPr>
               <p:cNvPr id="7" name="正方形/長方形 6">
